--- a/Plan/기타문서/기획서/광장 기초 시스템 정리.pptx
+++ b/Plan/기타문서/기획서/광장 기초 시스템 정리.pptx
@@ -222,7 +222,7 @@
           <a:p>
             <a:fld id="{9C6D852D-DD0C-47D4-B708-42CC31F4A26F}" type="datetimeFigureOut">
               <a:rPr lang="ko-KR" altLang="en-US" smtClean="0"/>
-              <a:t>2024-10-14</a:t>
+              <a:t>2024-10-17</a:t>
             </a:fld>
             <a:endParaRPr lang="ko-KR" altLang="en-US"/>
           </a:p>
@@ -644,7 +644,7 @@
           <a:p>
             <a:fld id="{9D9016E0-EC4D-45F9-9214-DF9E8599E3BD}" type="datetimeFigureOut">
               <a:rPr lang="ko-KR" altLang="en-US" smtClean="0"/>
-              <a:t>2024-10-14</a:t>
+              <a:t>2024-10-17</a:t>
             </a:fld>
             <a:endParaRPr lang="ko-KR" altLang="en-US"/>
           </a:p>
@@ -869,7 +869,7 @@
           <a:p>
             <a:fld id="{9D9016E0-EC4D-45F9-9214-DF9E8599E3BD}" type="datetimeFigureOut">
               <a:rPr lang="ko-KR" altLang="en-US" smtClean="0"/>
-              <a:t>2024-10-14</a:t>
+              <a:t>2024-10-17</a:t>
             </a:fld>
             <a:endParaRPr lang="ko-KR" altLang="en-US"/>
           </a:p>
@@ -1510,7 +1510,7 @@
           <a:p>
             <a:fld id="{9D9016E0-EC4D-45F9-9214-DF9E8599E3BD}" type="datetimeFigureOut">
               <a:rPr lang="ko-KR" altLang="en-US" smtClean="0"/>
-              <a:t>2024-10-14</a:t>
+              <a:t>2024-10-17</a:t>
             </a:fld>
             <a:endParaRPr lang="ko-KR" altLang="en-US"/>
           </a:p>
@@ -2151,7 +2151,7 @@
           <a:p>
             <a:fld id="{9D9016E0-EC4D-45F9-9214-DF9E8599E3BD}" type="datetimeFigureOut">
               <a:rPr lang="ko-KR" altLang="en-US" smtClean="0"/>
-              <a:t>2024-10-14</a:t>
+              <a:t>2024-10-17</a:t>
             </a:fld>
             <a:endParaRPr lang="ko-KR" altLang="en-US"/>
           </a:p>
@@ -2765,7 +2765,7 @@
           <a:p>
             <a:fld id="{9D9016E0-EC4D-45F9-9214-DF9E8599E3BD}" type="datetimeFigureOut">
               <a:rPr lang="ko-KR" altLang="en-US" smtClean="0"/>
-              <a:t>2024-10-14</a:t>
+              <a:t>2024-10-17</a:t>
             </a:fld>
             <a:endParaRPr lang="ko-KR" altLang="en-US"/>
           </a:p>
@@ -3040,7 +3040,7 @@
           <a:p>
             <a:fld id="{9D9016E0-EC4D-45F9-9214-DF9E8599E3BD}" type="datetimeFigureOut">
               <a:rPr lang="ko-KR" altLang="en-US" smtClean="0"/>
-              <a:t>2024-10-14</a:t>
+              <a:t>2024-10-17</a:t>
             </a:fld>
             <a:endParaRPr lang="ko-KR" altLang="en-US"/>
           </a:p>
@@ -3305,7 +3305,7 @@
           <a:p>
             <a:fld id="{9D9016E0-EC4D-45F9-9214-DF9E8599E3BD}" type="datetimeFigureOut">
               <a:rPr lang="ko-KR" altLang="en-US" smtClean="0"/>
-              <a:t>2024-10-14</a:t>
+              <a:t>2024-10-17</a:t>
             </a:fld>
             <a:endParaRPr lang="ko-KR" altLang="en-US"/>
           </a:p>
@@ -3717,7 +3717,7 @@
           <a:p>
             <a:fld id="{9D9016E0-EC4D-45F9-9214-DF9E8599E3BD}" type="datetimeFigureOut">
               <a:rPr lang="ko-KR" altLang="en-US" smtClean="0"/>
-              <a:t>2024-10-14</a:t>
+              <a:t>2024-10-17</a:t>
             </a:fld>
             <a:endParaRPr lang="ko-KR" altLang="en-US"/>
           </a:p>
@@ -3858,7 +3858,7 @@
           <a:p>
             <a:fld id="{9D9016E0-EC4D-45F9-9214-DF9E8599E3BD}" type="datetimeFigureOut">
               <a:rPr lang="ko-KR" altLang="en-US" smtClean="0"/>
-              <a:t>2024-10-14</a:t>
+              <a:t>2024-10-17</a:t>
             </a:fld>
             <a:endParaRPr lang="ko-KR" altLang="en-US"/>
           </a:p>
@@ -3971,7 +3971,7 @@
           <a:p>
             <a:fld id="{9D9016E0-EC4D-45F9-9214-DF9E8599E3BD}" type="datetimeFigureOut">
               <a:rPr lang="ko-KR" altLang="en-US" smtClean="0"/>
-              <a:t>2024-10-14</a:t>
+              <a:t>2024-10-17</a:t>
             </a:fld>
             <a:endParaRPr lang="ko-KR" altLang="en-US"/>
           </a:p>
@@ -4282,7 +4282,7 @@
           <a:p>
             <a:fld id="{9D9016E0-EC4D-45F9-9214-DF9E8599E3BD}" type="datetimeFigureOut">
               <a:rPr lang="ko-KR" altLang="en-US" smtClean="0"/>
-              <a:t>2024-10-14</a:t>
+              <a:t>2024-10-17</a:t>
             </a:fld>
             <a:endParaRPr lang="ko-KR" altLang="en-US"/>
           </a:p>
@@ -4518,7 +4518,7 @@
           <a:p>
             <a:fld id="{9D9016E0-EC4D-45F9-9214-DF9E8599E3BD}" type="datetimeFigureOut">
               <a:rPr lang="ko-KR" altLang="en-US" smtClean="0"/>
-              <a:t>2024-10-14</a:t>
+              <a:t>2024-10-17</a:t>
             </a:fld>
             <a:endParaRPr lang="ko-KR" altLang="en-US"/>
           </a:p>
@@ -4972,7 +4972,7 @@
           <a:p>
             <a:fld id="{9D9016E0-EC4D-45F9-9214-DF9E8599E3BD}" type="datetimeFigureOut">
               <a:rPr lang="ko-KR" altLang="en-US" smtClean="0"/>
-              <a:t>2024-10-14</a:t>
+              <a:t>2024-10-17</a:t>
             </a:fld>
             <a:endParaRPr lang="ko-KR" altLang="en-US"/>
           </a:p>
@@ -5170,7 +5170,7 @@
           <a:p>
             <a:fld id="{9D9016E0-EC4D-45F9-9214-DF9E8599E3BD}" type="datetimeFigureOut">
               <a:rPr lang="ko-KR" altLang="en-US" smtClean="0"/>
-              <a:t>2024-10-14</a:t>
+              <a:t>2024-10-17</a:t>
             </a:fld>
             <a:endParaRPr lang="ko-KR" altLang="en-US"/>
           </a:p>
@@ -5378,7 +5378,7 @@
           <a:p>
             <a:fld id="{9D9016E0-EC4D-45F9-9214-DF9E8599E3BD}" type="datetimeFigureOut">
               <a:rPr lang="ko-KR" altLang="en-US" smtClean="0"/>
-              <a:t>2024-10-14</a:t>
+              <a:t>2024-10-17</a:t>
             </a:fld>
             <a:endParaRPr lang="ko-KR" altLang="en-US"/>
           </a:p>
@@ -5614,7 +5614,7 @@
           <a:p>
             <a:fld id="{9D9016E0-EC4D-45F9-9214-DF9E8599E3BD}" type="datetimeFigureOut">
               <a:rPr lang="ko-KR" altLang="en-US" smtClean="0"/>
-              <a:t>2024-10-14</a:t>
+              <a:t>2024-10-17</a:t>
             </a:fld>
             <a:endParaRPr lang="ko-KR" altLang="en-US"/>
           </a:p>
@@ -6016,7 +6016,7 @@
           <a:p>
             <a:fld id="{9D9016E0-EC4D-45F9-9214-DF9E8599E3BD}" type="datetimeFigureOut">
               <a:rPr lang="ko-KR" altLang="en-US" smtClean="0"/>
-              <a:t>2024-10-14</a:t>
+              <a:t>2024-10-17</a:t>
             </a:fld>
             <a:endParaRPr lang="ko-KR" altLang="en-US"/>
           </a:p>
@@ -6418,7 +6418,7 @@
           <a:p>
             <a:fld id="{9D9016E0-EC4D-45F9-9214-DF9E8599E3BD}" type="datetimeFigureOut">
               <a:rPr lang="ko-KR" altLang="en-US" smtClean="0"/>
-              <a:t>2024-10-14</a:t>
+              <a:t>2024-10-17</a:t>
             </a:fld>
             <a:endParaRPr lang="ko-KR" altLang="en-US"/>
           </a:p>
@@ -6820,7 +6820,7 @@
           <a:p>
             <a:fld id="{9D9016E0-EC4D-45F9-9214-DF9E8599E3BD}" type="datetimeFigureOut">
               <a:rPr lang="ko-KR" altLang="en-US" smtClean="0"/>
-              <a:t>2024-10-14</a:t>
+              <a:t>2024-10-17</a:t>
             </a:fld>
             <a:endParaRPr lang="ko-KR" altLang="en-US"/>
           </a:p>
@@ -7159,7 +7159,7 @@
           <a:p>
             <a:fld id="{9D9016E0-EC4D-45F9-9214-DF9E8599E3BD}" type="datetimeFigureOut">
               <a:rPr lang="ko-KR" altLang="en-US" smtClean="0"/>
-              <a:t>2024-10-14</a:t>
+              <a:t>2024-10-17</a:t>
             </a:fld>
             <a:endParaRPr lang="ko-KR" altLang="en-US"/>
           </a:p>
@@ -7800,7 +7800,7 @@
           <a:p>
             <a:fld id="{9D9016E0-EC4D-45F9-9214-DF9E8599E3BD}" type="datetimeFigureOut">
               <a:rPr lang="ko-KR" altLang="en-US" smtClean="0"/>
-              <a:t>2024-10-14</a:t>
+              <a:t>2024-10-17</a:t>
             </a:fld>
             <a:endParaRPr lang="ko-KR" altLang="en-US"/>
           </a:p>
@@ -8389,7 +8389,7 @@
           <a:p>
             <a:fld id="{9D9016E0-EC4D-45F9-9214-DF9E8599E3BD}" type="datetimeFigureOut">
               <a:rPr lang="ko-KR" altLang="en-US" smtClean="0"/>
-              <a:t>2024-10-14</a:t>
+              <a:t>2024-10-17</a:t>
             </a:fld>
             <a:endParaRPr lang="ko-KR" altLang="en-US"/>
           </a:p>
@@ -9049,7 +9049,7 @@
           <a:p>
             <a:fld id="{9D9016E0-EC4D-45F9-9214-DF9E8599E3BD}" type="datetimeFigureOut">
               <a:rPr lang="ko-KR" altLang="en-US" smtClean="0"/>
-              <a:t>2024-10-14</a:t>
+              <a:t>2024-10-17</a:t>
             </a:fld>
             <a:endParaRPr lang="ko-KR" altLang="en-US"/>
           </a:p>
@@ -11000,6 +11000,1664 @@
           </a:p>
         </p:txBody>
       </p:sp>
+      <p:sp>
+        <p:nvSpPr>
+          <p:cNvPr id="2" name="TextBox 1">
+            <a:extLst>
+              <a:ext uri="{FF2B5EF4-FFF2-40B4-BE49-F238E27FC236}">
+                <a16:creationId xmlns:a16="http://schemas.microsoft.com/office/drawing/2014/main" id="{8DD9346A-79F6-716C-E83F-E762ED05D848}"/>
+              </a:ext>
+            </a:extLst>
+          </p:cNvPr>
+          <p:cNvSpPr txBox="1"/>
+          <p:nvPr/>
+        </p:nvSpPr>
+        <p:spPr>
+          <a:xfrm>
+            <a:off x="304799" y="2727857"/>
+            <a:ext cx="914400" cy="246221"/>
+          </a:xfrm>
+          <a:prstGeom prst="rect">
+            <a:avLst/>
+          </a:prstGeom>
+          <a:noFill/>
+        </p:spPr>
+        <p:txBody>
+          <a:bodyPr wrap="square" rtlCol="0">
+            <a:spAutoFit/>
+          </a:bodyPr>
+          <a:lstStyle/>
+          <a:p>
+            <a:r>
+              <a:rPr lang="en-US" altLang="ko-KR" sz="1000" dirty="0"/>
+              <a:t>&lt;HISTORY&gt;</a:t>
+            </a:r>
+            <a:endParaRPr lang="ko-KR" altLang="en-US" sz="1000" dirty="0"/>
+          </a:p>
+        </p:txBody>
+      </p:sp>
+      <p:graphicFrame>
+        <p:nvGraphicFramePr>
+          <p:cNvPr id="4" name="표 3">
+            <a:extLst>
+              <a:ext uri="{FF2B5EF4-FFF2-40B4-BE49-F238E27FC236}">
+                <a16:creationId xmlns:a16="http://schemas.microsoft.com/office/drawing/2014/main" id="{56D11C65-E155-A626-4050-47338ED2D255}"/>
+              </a:ext>
+            </a:extLst>
+          </p:cNvPr>
+          <p:cNvGraphicFramePr>
+            <a:graphicFrameLocks noGrp="1"/>
+          </p:cNvGraphicFramePr>
+          <p:nvPr>
+            <p:extLst>
+              <p:ext uri="{D42A27DB-BD31-4B8C-83A1-F6EECF244321}">
+                <p14:modId xmlns:p14="http://schemas.microsoft.com/office/powerpoint/2010/main" val="3904734931"/>
+              </p:ext>
+            </p:extLst>
+          </p:nvPr>
+        </p:nvGraphicFramePr>
+        <p:xfrm>
+          <a:off x="304799" y="3027145"/>
+          <a:ext cx="11309898" cy="1950720"/>
+        </p:xfrm>
+        <a:graphic>
+          <a:graphicData uri="http://schemas.openxmlformats.org/drawingml/2006/table">
+            <a:tbl>
+              <a:tblPr firstRow="1" bandRow="1">
+                <a:tableStyleId>{5C22544A-7EE6-4342-B048-85BDC9FD1C3A}</a:tableStyleId>
+              </a:tblPr>
+              <a:tblGrid>
+                <a:gridCol w="1039185">
+                  <a:extLst>
+                    <a:ext uri="{9D8B030D-6E8A-4147-A177-3AD203B41FA5}">
+                      <a16:colId xmlns:a16="http://schemas.microsoft.com/office/drawing/2014/main" val="2250907431"/>
+                    </a:ext>
+                  </a:extLst>
+                </a:gridCol>
+                <a:gridCol w="9352655">
+                  <a:extLst>
+                    <a:ext uri="{9D8B030D-6E8A-4147-A177-3AD203B41FA5}">
+                      <a16:colId xmlns:a16="http://schemas.microsoft.com/office/drawing/2014/main" val="2837344716"/>
+                    </a:ext>
+                  </a:extLst>
+                </a:gridCol>
+                <a:gridCol w="918058">
+                  <a:extLst>
+                    <a:ext uri="{9D8B030D-6E8A-4147-A177-3AD203B41FA5}">
+                      <a16:colId xmlns:a16="http://schemas.microsoft.com/office/drawing/2014/main" val="2653824980"/>
+                    </a:ext>
+                  </a:extLst>
+                </a:gridCol>
+              </a:tblGrid>
+              <a:tr h="235298">
+                <a:tc>
+                  <a:txBody>
+                    <a:bodyPr/>
+                    <a:lstStyle/>
+                    <a:p>
+                      <a:pPr algn="ctr" latinLnBrk="1"/>
+                      <a:r>
+                        <a:rPr lang="ko-KR" altLang="en-US" sz="1000" dirty="0">
+                          <a:solidFill>
+                            <a:schemeClr val="bg1"/>
+                          </a:solidFill>
+                        </a:rPr>
+                        <a:t>작성일</a:t>
+                      </a:r>
+                    </a:p>
+                  </a:txBody>
+                  <a:tcPr>
+                    <a:lnL w="12700" cap="flat" cmpd="sng" algn="ctr">
+                      <a:solidFill>
+                        <a:schemeClr val="tx1"/>
+                      </a:solidFill>
+                      <a:prstDash val="solid"/>
+                      <a:round/>
+                      <a:headEnd type="none" w="med" len="med"/>
+                      <a:tailEnd type="none" w="med" len="med"/>
+                    </a:lnL>
+                    <a:lnR w="12700" cap="flat" cmpd="sng" algn="ctr">
+                      <a:solidFill>
+                        <a:schemeClr val="tx1"/>
+                      </a:solidFill>
+                      <a:prstDash val="solid"/>
+                      <a:round/>
+                      <a:headEnd type="none" w="med" len="med"/>
+                      <a:tailEnd type="none" w="med" len="med"/>
+                    </a:lnR>
+                    <a:lnT w="12700" cap="flat" cmpd="sng" algn="ctr">
+                      <a:solidFill>
+                        <a:schemeClr val="tx1"/>
+                      </a:solidFill>
+                      <a:prstDash val="solid"/>
+                      <a:round/>
+                      <a:headEnd type="none" w="med" len="med"/>
+                      <a:tailEnd type="none" w="med" len="med"/>
+                    </a:lnT>
+                    <a:lnB w="12700" cap="flat" cmpd="sng" algn="ctr">
+                      <a:solidFill>
+                        <a:schemeClr val="tx1"/>
+                      </a:solidFill>
+                      <a:prstDash val="solid"/>
+                      <a:round/>
+                      <a:headEnd type="none" w="med" len="med"/>
+                      <a:tailEnd type="none" w="med" len="med"/>
+                    </a:lnB>
+                    <a:lnTlToBr w="12700" cmpd="sng">
+                      <a:noFill/>
+                      <a:prstDash val="solid"/>
+                    </a:lnTlToBr>
+                    <a:lnBlToTr w="12700" cmpd="sng">
+                      <a:noFill/>
+                      <a:prstDash val="solid"/>
+                    </a:lnBlToTr>
+                    <a:solidFill>
+                      <a:srgbClr val="6750BA"/>
+                    </a:solidFill>
+                  </a:tcPr>
+                </a:tc>
+                <a:tc>
+                  <a:txBody>
+                    <a:bodyPr/>
+                    <a:lstStyle/>
+                    <a:p>
+                      <a:pPr algn="ctr" latinLnBrk="1"/>
+                      <a:r>
+                        <a:rPr lang="ko-KR" altLang="en-US" sz="1000" dirty="0">
+                          <a:solidFill>
+                            <a:schemeClr val="bg1"/>
+                          </a:solidFill>
+                        </a:rPr>
+                        <a:t>수정 내용</a:t>
+                      </a:r>
+                    </a:p>
+                  </a:txBody>
+                  <a:tcPr>
+                    <a:lnL w="12700" cap="flat" cmpd="sng" algn="ctr">
+                      <a:solidFill>
+                        <a:schemeClr val="tx1"/>
+                      </a:solidFill>
+                      <a:prstDash val="solid"/>
+                      <a:round/>
+                      <a:headEnd type="none" w="med" len="med"/>
+                      <a:tailEnd type="none" w="med" len="med"/>
+                    </a:lnL>
+                    <a:lnR w="12700" cap="flat" cmpd="sng" algn="ctr">
+                      <a:solidFill>
+                        <a:schemeClr val="tx1"/>
+                      </a:solidFill>
+                      <a:prstDash val="solid"/>
+                      <a:round/>
+                      <a:headEnd type="none" w="med" len="med"/>
+                      <a:tailEnd type="none" w="med" len="med"/>
+                    </a:lnR>
+                    <a:lnT w="12700" cap="flat" cmpd="sng" algn="ctr">
+                      <a:solidFill>
+                        <a:schemeClr val="tx1"/>
+                      </a:solidFill>
+                      <a:prstDash val="solid"/>
+                      <a:round/>
+                      <a:headEnd type="none" w="med" len="med"/>
+                      <a:tailEnd type="none" w="med" len="med"/>
+                    </a:lnT>
+                    <a:lnB w="12700" cap="flat" cmpd="sng" algn="ctr">
+                      <a:solidFill>
+                        <a:schemeClr val="tx1"/>
+                      </a:solidFill>
+                      <a:prstDash val="solid"/>
+                      <a:round/>
+                      <a:headEnd type="none" w="med" len="med"/>
+                      <a:tailEnd type="none" w="med" len="med"/>
+                    </a:lnB>
+                    <a:lnTlToBr w="12700" cmpd="sng">
+                      <a:noFill/>
+                      <a:prstDash val="solid"/>
+                    </a:lnTlToBr>
+                    <a:lnBlToTr w="12700" cmpd="sng">
+                      <a:noFill/>
+                      <a:prstDash val="solid"/>
+                    </a:lnBlToTr>
+                    <a:solidFill>
+                      <a:srgbClr val="6750BA"/>
+                    </a:solidFill>
+                  </a:tcPr>
+                </a:tc>
+                <a:tc>
+                  <a:txBody>
+                    <a:bodyPr/>
+                    <a:lstStyle/>
+                    <a:p>
+                      <a:pPr algn="ctr" latinLnBrk="1"/>
+                      <a:r>
+                        <a:rPr lang="ko-KR" altLang="en-US" sz="1000" dirty="0">
+                          <a:solidFill>
+                            <a:schemeClr val="bg1"/>
+                          </a:solidFill>
+                        </a:rPr>
+                        <a:t>작성자</a:t>
+                      </a:r>
+                    </a:p>
+                  </a:txBody>
+                  <a:tcPr>
+                    <a:lnL w="12700" cap="flat" cmpd="sng" algn="ctr">
+                      <a:solidFill>
+                        <a:schemeClr val="tx1"/>
+                      </a:solidFill>
+                      <a:prstDash val="solid"/>
+                      <a:round/>
+                      <a:headEnd type="none" w="med" len="med"/>
+                      <a:tailEnd type="none" w="med" len="med"/>
+                    </a:lnL>
+                    <a:lnR w="12700" cap="flat" cmpd="sng" algn="ctr">
+                      <a:solidFill>
+                        <a:schemeClr val="tx1"/>
+                      </a:solidFill>
+                      <a:prstDash val="solid"/>
+                      <a:round/>
+                      <a:headEnd type="none" w="med" len="med"/>
+                      <a:tailEnd type="none" w="med" len="med"/>
+                    </a:lnR>
+                    <a:lnT w="12700" cap="flat" cmpd="sng" algn="ctr">
+                      <a:solidFill>
+                        <a:schemeClr val="tx1"/>
+                      </a:solidFill>
+                      <a:prstDash val="solid"/>
+                      <a:round/>
+                      <a:headEnd type="none" w="med" len="med"/>
+                      <a:tailEnd type="none" w="med" len="med"/>
+                    </a:lnT>
+                    <a:lnB w="12700" cap="flat" cmpd="sng" algn="ctr">
+                      <a:solidFill>
+                        <a:schemeClr val="tx1"/>
+                      </a:solidFill>
+                      <a:prstDash val="solid"/>
+                      <a:round/>
+                      <a:headEnd type="none" w="med" len="med"/>
+                      <a:tailEnd type="none" w="med" len="med"/>
+                    </a:lnB>
+                    <a:lnTlToBr w="12700" cmpd="sng">
+                      <a:noFill/>
+                      <a:prstDash val="solid"/>
+                    </a:lnTlToBr>
+                    <a:lnBlToTr w="12700" cmpd="sng">
+                      <a:noFill/>
+                      <a:prstDash val="solid"/>
+                    </a:lnBlToTr>
+                    <a:solidFill>
+                      <a:srgbClr val="6750BA"/>
+                    </a:solidFill>
+                  </a:tcPr>
+                </a:tc>
+                <a:extLst>
+                  <a:ext uri="{0D108BD9-81ED-4DB2-BD59-A6C34878D82A}">
+                    <a16:rowId xmlns:a16="http://schemas.microsoft.com/office/drawing/2014/main" val="1397976082"/>
+                  </a:ext>
+                </a:extLst>
+              </a:tr>
+              <a:tr h="235298">
+                <a:tc>
+                  <a:txBody>
+                    <a:bodyPr/>
+                    <a:lstStyle/>
+                    <a:p>
+                      <a:pPr algn="ctr" latinLnBrk="1"/>
+                      <a:r>
+                        <a:rPr lang="en-US" altLang="ko-KR" sz="1000" dirty="0">
+                          <a:solidFill>
+                            <a:sysClr val="windowText" lastClr="000000"/>
+                          </a:solidFill>
+                        </a:rPr>
+                        <a:t>2024.10.17</a:t>
+                      </a:r>
+                      <a:endParaRPr lang="ko-KR" altLang="en-US" sz="1000" dirty="0">
+                        <a:solidFill>
+                          <a:sysClr val="windowText" lastClr="000000"/>
+                        </a:solidFill>
+                      </a:endParaRPr>
+                    </a:p>
+                  </a:txBody>
+                  <a:tcPr>
+                    <a:lnL w="12700" cap="flat" cmpd="sng" algn="ctr">
+                      <a:solidFill>
+                        <a:schemeClr val="tx1"/>
+                      </a:solidFill>
+                      <a:prstDash val="solid"/>
+                      <a:round/>
+                      <a:headEnd type="none" w="med" len="med"/>
+                      <a:tailEnd type="none" w="med" len="med"/>
+                    </a:lnL>
+                    <a:lnR w="12700" cap="flat" cmpd="sng" algn="ctr">
+                      <a:solidFill>
+                        <a:schemeClr val="tx1"/>
+                      </a:solidFill>
+                      <a:prstDash val="solid"/>
+                      <a:round/>
+                      <a:headEnd type="none" w="med" len="med"/>
+                      <a:tailEnd type="none" w="med" len="med"/>
+                    </a:lnR>
+                    <a:lnT w="12700" cap="flat" cmpd="sng" algn="ctr">
+                      <a:solidFill>
+                        <a:schemeClr val="tx1"/>
+                      </a:solidFill>
+                      <a:prstDash val="solid"/>
+                      <a:round/>
+                      <a:headEnd type="none" w="med" len="med"/>
+                      <a:tailEnd type="none" w="med" len="med"/>
+                    </a:lnT>
+                    <a:lnB w="12700" cap="flat" cmpd="sng" algn="ctr">
+                      <a:solidFill>
+                        <a:schemeClr val="tx1"/>
+                      </a:solidFill>
+                      <a:prstDash val="solid"/>
+                      <a:round/>
+                      <a:headEnd type="none" w="med" len="med"/>
+                      <a:tailEnd type="none" w="med" len="med"/>
+                    </a:lnB>
+                    <a:lnTlToBr w="12700" cmpd="sng">
+                      <a:noFill/>
+                      <a:prstDash val="solid"/>
+                    </a:lnTlToBr>
+                    <a:lnBlToTr w="12700" cmpd="sng">
+                      <a:noFill/>
+                      <a:prstDash val="solid"/>
+                    </a:lnBlToTr>
+                    <a:noFill/>
+                  </a:tcPr>
+                </a:tc>
+                <a:tc>
+                  <a:txBody>
+                    <a:bodyPr/>
+                    <a:lstStyle/>
+                    <a:p>
+                      <a:pPr algn="ctr" latinLnBrk="1"/>
+                      <a:r>
+                        <a:rPr lang="ko-KR" altLang="en-US" sz="1000" dirty="0">
+                          <a:solidFill>
+                            <a:sysClr val="windowText" lastClr="000000"/>
+                          </a:solidFill>
+                        </a:rPr>
+                        <a:t>광장 </a:t>
+                      </a:r>
+                      <a:r>
+                        <a:rPr lang="ko-KR" altLang="en-US" sz="1000" dirty="0" err="1">
+                          <a:solidFill>
+                            <a:sysClr val="windowText" lastClr="000000"/>
+                          </a:solidFill>
+                        </a:rPr>
+                        <a:t>기초안</a:t>
+                      </a:r>
+                      <a:r>
+                        <a:rPr lang="ko-KR" altLang="en-US" sz="1000" dirty="0">
+                          <a:solidFill>
+                            <a:sysClr val="windowText" lastClr="000000"/>
+                          </a:solidFill>
+                        </a:rPr>
+                        <a:t> 정리 초안 작성 완료</a:t>
+                      </a:r>
+                    </a:p>
+                  </a:txBody>
+                  <a:tcPr>
+                    <a:lnL w="12700" cap="flat" cmpd="sng" algn="ctr">
+                      <a:solidFill>
+                        <a:schemeClr val="tx1"/>
+                      </a:solidFill>
+                      <a:prstDash val="solid"/>
+                      <a:round/>
+                      <a:headEnd type="none" w="med" len="med"/>
+                      <a:tailEnd type="none" w="med" len="med"/>
+                    </a:lnL>
+                    <a:lnR w="12700" cap="flat" cmpd="sng" algn="ctr">
+                      <a:solidFill>
+                        <a:schemeClr val="tx1"/>
+                      </a:solidFill>
+                      <a:prstDash val="solid"/>
+                      <a:round/>
+                      <a:headEnd type="none" w="med" len="med"/>
+                      <a:tailEnd type="none" w="med" len="med"/>
+                    </a:lnR>
+                    <a:lnT w="12700" cap="flat" cmpd="sng" algn="ctr">
+                      <a:solidFill>
+                        <a:schemeClr val="tx1"/>
+                      </a:solidFill>
+                      <a:prstDash val="solid"/>
+                      <a:round/>
+                      <a:headEnd type="none" w="med" len="med"/>
+                      <a:tailEnd type="none" w="med" len="med"/>
+                    </a:lnT>
+                    <a:lnB w="12700" cap="flat" cmpd="sng" algn="ctr">
+                      <a:solidFill>
+                        <a:schemeClr val="tx1"/>
+                      </a:solidFill>
+                      <a:prstDash val="solid"/>
+                      <a:round/>
+                      <a:headEnd type="none" w="med" len="med"/>
+                      <a:tailEnd type="none" w="med" len="med"/>
+                    </a:lnB>
+                    <a:lnTlToBr w="12700" cmpd="sng">
+                      <a:noFill/>
+                      <a:prstDash val="solid"/>
+                    </a:lnTlToBr>
+                    <a:lnBlToTr w="12700" cmpd="sng">
+                      <a:noFill/>
+                      <a:prstDash val="solid"/>
+                    </a:lnBlToTr>
+                    <a:noFill/>
+                  </a:tcPr>
+                </a:tc>
+                <a:tc>
+                  <a:txBody>
+                    <a:bodyPr/>
+                    <a:lstStyle/>
+                    <a:p>
+                      <a:pPr algn="ctr" latinLnBrk="1"/>
+                      <a:r>
+                        <a:rPr lang="ko-KR" altLang="en-US" sz="1000" dirty="0">
+                          <a:solidFill>
+                            <a:sysClr val="windowText" lastClr="000000"/>
+                          </a:solidFill>
+                        </a:rPr>
+                        <a:t>정성은</a:t>
+                      </a:r>
+                    </a:p>
+                  </a:txBody>
+                  <a:tcPr>
+                    <a:lnL w="12700" cap="flat" cmpd="sng" algn="ctr">
+                      <a:solidFill>
+                        <a:schemeClr val="tx1"/>
+                      </a:solidFill>
+                      <a:prstDash val="solid"/>
+                      <a:round/>
+                      <a:headEnd type="none" w="med" len="med"/>
+                      <a:tailEnd type="none" w="med" len="med"/>
+                    </a:lnL>
+                    <a:lnR w="12700" cap="flat" cmpd="sng" algn="ctr">
+                      <a:solidFill>
+                        <a:schemeClr val="tx1"/>
+                      </a:solidFill>
+                      <a:prstDash val="solid"/>
+                      <a:round/>
+                      <a:headEnd type="none" w="med" len="med"/>
+                      <a:tailEnd type="none" w="med" len="med"/>
+                    </a:lnR>
+                    <a:lnT w="12700" cap="flat" cmpd="sng" algn="ctr">
+                      <a:solidFill>
+                        <a:schemeClr val="tx1"/>
+                      </a:solidFill>
+                      <a:prstDash val="solid"/>
+                      <a:round/>
+                      <a:headEnd type="none" w="med" len="med"/>
+                      <a:tailEnd type="none" w="med" len="med"/>
+                    </a:lnT>
+                    <a:lnB w="12700" cap="flat" cmpd="sng" algn="ctr">
+                      <a:solidFill>
+                        <a:schemeClr val="tx1"/>
+                      </a:solidFill>
+                      <a:prstDash val="solid"/>
+                      <a:round/>
+                      <a:headEnd type="none" w="med" len="med"/>
+                      <a:tailEnd type="none" w="med" len="med"/>
+                    </a:lnB>
+                    <a:lnTlToBr w="12700" cmpd="sng">
+                      <a:noFill/>
+                      <a:prstDash val="solid"/>
+                    </a:lnTlToBr>
+                    <a:lnBlToTr w="12700" cmpd="sng">
+                      <a:noFill/>
+                      <a:prstDash val="solid"/>
+                    </a:lnBlToTr>
+                    <a:noFill/>
+                  </a:tcPr>
+                </a:tc>
+                <a:extLst>
+                  <a:ext uri="{0D108BD9-81ED-4DB2-BD59-A6C34878D82A}">
+                    <a16:rowId xmlns:a16="http://schemas.microsoft.com/office/drawing/2014/main" val="644562559"/>
+                  </a:ext>
+                </a:extLst>
+              </a:tr>
+              <a:tr h="235298">
+                <a:tc>
+                  <a:txBody>
+                    <a:bodyPr/>
+                    <a:lstStyle/>
+                    <a:p>
+                      <a:pPr algn="ctr" latinLnBrk="1"/>
+                      <a:endParaRPr lang="ko-KR" altLang="en-US" sz="1000">
+                        <a:solidFill>
+                          <a:sysClr val="windowText" lastClr="000000"/>
+                        </a:solidFill>
+                      </a:endParaRPr>
+                    </a:p>
+                  </a:txBody>
+                  <a:tcPr>
+                    <a:lnL w="12700" cap="flat" cmpd="sng" algn="ctr">
+                      <a:solidFill>
+                        <a:schemeClr val="tx1"/>
+                      </a:solidFill>
+                      <a:prstDash val="solid"/>
+                      <a:round/>
+                      <a:headEnd type="none" w="med" len="med"/>
+                      <a:tailEnd type="none" w="med" len="med"/>
+                    </a:lnL>
+                    <a:lnR w="12700" cap="flat" cmpd="sng" algn="ctr">
+                      <a:solidFill>
+                        <a:schemeClr val="tx1"/>
+                      </a:solidFill>
+                      <a:prstDash val="solid"/>
+                      <a:round/>
+                      <a:headEnd type="none" w="med" len="med"/>
+                      <a:tailEnd type="none" w="med" len="med"/>
+                    </a:lnR>
+                    <a:lnT w="12700" cap="flat" cmpd="sng" algn="ctr">
+                      <a:solidFill>
+                        <a:schemeClr val="tx1"/>
+                      </a:solidFill>
+                      <a:prstDash val="solid"/>
+                      <a:round/>
+                      <a:headEnd type="none" w="med" len="med"/>
+                      <a:tailEnd type="none" w="med" len="med"/>
+                    </a:lnT>
+                    <a:lnB w="12700" cap="flat" cmpd="sng" algn="ctr">
+                      <a:solidFill>
+                        <a:schemeClr val="tx1"/>
+                      </a:solidFill>
+                      <a:prstDash val="solid"/>
+                      <a:round/>
+                      <a:headEnd type="none" w="med" len="med"/>
+                      <a:tailEnd type="none" w="med" len="med"/>
+                    </a:lnB>
+                    <a:lnTlToBr w="12700" cmpd="sng">
+                      <a:noFill/>
+                      <a:prstDash val="solid"/>
+                    </a:lnTlToBr>
+                    <a:lnBlToTr w="12700" cmpd="sng">
+                      <a:noFill/>
+                      <a:prstDash val="solid"/>
+                    </a:lnBlToTr>
+                    <a:noFill/>
+                  </a:tcPr>
+                </a:tc>
+                <a:tc>
+                  <a:txBody>
+                    <a:bodyPr/>
+                    <a:lstStyle/>
+                    <a:p>
+                      <a:pPr algn="ctr" latinLnBrk="1"/>
+                      <a:endParaRPr lang="ko-KR" altLang="en-US" sz="1000" dirty="0">
+                        <a:solidFill>
+                          <a:sysClr val="windowText" lastClr="000000"/>
+                        </a:solidFill>
+                      </a:endParaRPr>
+                    </a:p>
+                  </a:txBody>
+                  <a:tcPr>
+                    <a:lnL w="12700" cap="flat" cmpd="sng" algn="ctr">
+                      <a:solidFill>
+                        <a:schemeClr val="tx1"/>
+                      </a:solidFill>
+                      <a:prstDash val="solid"/>
+                      <a:round/>
+                      <a:headEnd type="none" w="med" len="med"/>
+                      <a:tailEnd type="none" w="med" len="med"/>
+                    </a:lnL>
+                    <a:lnR w="12700" cap="flat" cmpd="sng" algn="ctr">
+                      <a:solidFill>
+                        <a:schemeClr val="tx1"/>
+                      </a:solidFill>
+                      <a:prstDash val="solid"/>
+                      <a:round/>
+                      <a:headEnd type="none" w="med" len="med"/>
+                      <a:tailEnd type="none" w="med" len="med"/>
+                    </a:lnR>
+                    <a:lnT w="12700" cap="flat" cmpd="sng" algn="ctr">
+                      <a:solidFill>
+                        <a:schemeClr val="tx1"/>
+                      </a:solidFill>
+                      <a:prstDash val="solid"/>
+                      <a:round/>
+                      <a:headEnd type="none" w="med" len="med"/>
+                      <a:tailEnd type="none" w="med" len="med"/>
+                    </a:lnT>
+                    <a:lnB w="12700" cap="flat" cmpd="sng" algn="ctr">
+                      <a:solidFill>
+                        <a:schemeClr val="tx1"/>
+                      </a:solidFill>
+                      <a:prstDash val="solid"/>
+                      <a:round/>
+                      <a:headEnd type="none" w="med" len="med"/>
+                      <a:tailEnd type="none" w="med" len="med"/>
+                    </a:lnB>
+                    <a:lnTlToBr w="12700" cmpd="sng">
+                      <a:noFill/>
+                      <a:prstDash val="solid"/>
+                    </a:lnTlToBr>
+                    <a:lnBlToTr w="12700" cmpd="sng">
+                      <a:noFill/>
+                      <a:prstDash val="solid"/>
+                    </a:lnBlToTr>
+                    <a:noFill/>
+                  </a:tcPr>
+                </a:tc>
+                <a:tc>
+                  <a:txBody>
+                    <a:bodyPr/>
+                    <a:lstStyle/>
+                    <a:p>
+                      <a:pPr algn="ctr" latinLnBrk="1"/>
+                      <a:endParaRPr lang="ko-KR" altLang="en-US" sz="1000" dirty="0">
+                        <a:solidFill>
+                          <a:sysClr val="windowText" lastClr="000000"/>
+                        </a:solidFill>
+                      </a:endParaRPr>
+                    </a:p>
+                  </a:txBody>
+                  <a:tcPr>
+                    <a:lnL w="12700" cap="flat" cmpd="sng" algn="ctr">
+                      <a:solidFill>
+                        <a:schemeClr val="tx1"/>
+                      </a:solidFill>
+                      <a:prstDash val="solid"/>
+                      <a:round/>
+                      <a:headEnd type="none" w="med" len="med"/>
+                      <a:tailEnd type="none" w="med" len="med"/>
+                    </a:lnL>
+                    <a:lnR w="12700" cap="flat" cmpd="sng" algn="ctr">
+                      <a:solidFill>
+                        <a:schemeClr val="tx1"/>
+                      </a:solidFill>
+                      <a:prstDash val="solid"/>
+                      <a:round/>
+                      <a:headEnd type="none" w="med" len="med"/>
+                      <a:tailEnd type="none" w="med" len="med"/>
+                    </a:lnR>
+                    <a:lnT w="12700" cap="flat" cmpd="sng" algn="ctr">
+                      <a:solidFill>
+                        <a:schemeClr val="tx1"/>
+                      </a:solidFill>
+                      <a:prstDash val="solid"/>
+                      <a:round/>
+                      <a:headEnd type="none" w="med" len="med"/>
+                      <a:tailEnd type="none" w="med" len="med"/>
+                    </a:lnT>
+                    <a:lnB w="12700" cap="flat" cmpd="sng" algn="ctr">
+                      <a:solidFill>
+                        <a:schemeClr val="tx1"/>
+                      </a:solidFill>
+                      <a:prstDash val="solid"/>
+                      <a:round/>
+                      <a:headEnd type="none" w="med" len="med"/>
+                      <a:tailEnd type="none" w="med" len="med"/>
+                    </a:lnB>
+                    <a:lnTlToBr w="12700" cmpd="sng">
+                      <a:noFill/>
+                      <a:prstDash val="solid"/>
+                    </a:lnTlToBr>
+                    <a:lnBlToTr w="12700" cmpd="sng">
+                      <a:noFill/>
+                      <a:prstDash val="solid"/>
+                    </a:lnBlToTr>
+                    <a:noFill/>
+                  </a:tcPr>
+                </a:tc>
+                <a:extLst>
+                  <a:ext uri="{0D108BD9-81ED-4DB2-BD59-A6C34878D82A}">
+                    <a16:rowId xmlns:a16="http://schemas.microsoft.com/office/drawing/2014/main" val="1055557422"/>
+                  </a:ext>
+                </a:extLst>
+              </a:tr>
+              <a:tr h="235298">
+                <a:tc>
+                  <a:txBody>
+                    <a:bodyPr/>
+                    <a:lstStyle/>
+                    <a:p>
+                      <a:pPr algn="ctr" latinLnBrk="1"/>
+                      <a:endParaRPr lang="ko-KR" altLang="en-US" sz="1000">
+                        <a:solidFill>
+                          <a:sysClr val="windowText" lastClr="000000"/>
+                        </a:solidFill>
+                      </a:endParaRPr>
+                    </a:p>
+                  </a:txBody>
+                  <a:tcPr>
+                    <a:lnL w="12700" cap="flat" cmpd="sng" algn="ctr">
+                      <a:solidFill>
+                        <a:schemeClr val="tx1"/>
+                      </a:solidFill>
+                      <a:prstDash val="solid"/>
+                      <a:round/>
+                      <a:headEnd type="none" w="med" len="med"/>
+                      <a:tailEnd type="none" w="med" len="med"/>
+                    </a:lnL>
+                    <a:lnR w="12700" cap="flat" cmpd="sng" algn="ctr">
+                      <a:solidFill>
+                        <a:schemeClr val="tx1"/>
+                      </a:solidFill>
+                      <a:prstDash val="solid"/>
+                      <a:round/>
+                      <a:headEnd type="none" w="med" len="med"/>
+                      <a:tailEnd type="none" w="med" len="med"/>
+                    </a:lnR>
+                    <a:lnT w="12700" cap="flat" cmpd="sng" algn="ctr">
+                      <a:solidFill>
+                        <a:schemeClr val="tx1"/>
+                      </a:solidFill>
+                      <a:prstDash val="solid"/>
+                      <a:round/>
+                      <a:headEnd type="none" w="med" len="med"/>
+                      <a:tailEnd type="none" w="med" len="med"/>
+                    </a:lnT>
+                    <a:lnB w="12700" cap="flat" cmpd="sng" algn="ctr">
+                      <a:solidFill>
+                        <a:schemeClr val="tx1"/>
+                      </a:solidFill>
+                      <a:prstDash val="solid"/>
+                      <a:round/>
+                      <a:headEnd type="none" w="med" len="med"/>
+                      <a:tailEnd type="none" w="med" len="med"/>
+                    </a:lnB>
+                    <a:lnTlToBr w="12700" cmpd="sng">
+                      <a:noFill/>
+                      <a:prstDash val="solid"/>
+                    </a:lnTlToBr>
+                    <a:lnBlToTr w="12700" cmpd="sng">
+                      <a:noFill/>
+                      <a:prstDash val="solid"/>
+                    </a:lnBlToTr>
+                    <a:noFill/>
+                  </a:tcPr>
+                </a:tc>
+                <a:tc>
+                  <a:txBody>
+                    <a:bodyPr/>
+                    <a:lstStyle/>
+                    <a:p>
+                      <a:pPr algn="ctr" latinLnBrk="1"/>
+                      <a:endParaRPr lang="ko-KR" altLang="en-US" sz="1000" dirty="0">
+                        <a:solidFill>
+                          <a:sysClr val="windowText" lastClr="000000"/>
+                        </a:solidFill>
+                      </a:endParaRPr>
+                    </a:p>
+                  </a:txBody>
+                  <a:tcPr>
+                    <a:lnL w="12700" cap="flat" cmpd="sng" algn="ctr">
+                      <a:solidFill>
+                        <a:schemeClr val="tx1"/>
+                      </a:solidFill>
+                      <a:prstDash val="solid"/>
+                      <a:round/>
+                      <a:headEnd type="none" w="med" len="med"/>
+                      <a:tailEnd type="none" w="med" len="med"/>
+                    </a:lnL>
+                    <a:lnR w="12700" cap="flat" cmpd="sng" algn="ctr">
+                      <a:solidFill>
+                        <a:schemeClr val="tx1"/>
+                      </a:solidFill>
+                      <a:prstDash val="solid"/>
+                      <a:round/>
+                      <a:headEnd type="none" w="med" len="med"/>
+                      <a:tailEnd type="none" w="med" len="med"/>
+                    </a:lnR>
+                    <a:lnT w="12700" cap="flat" cmpd="sng" algn="ctr">
+                      <a:solidFill>
+                        <a:schemeClr val="tx1"/>
+                      </a:solidFill>
+                      <a:prstDash val="solid"/>
+                      <a:round/>
+                      <a:headEnd type="none" w="med" len="med"/>
+                      <a:tailEnd type="none" w="med" len="med"/>
+                    </a:lnT>
+                    <a:lnB w="12700" cap="flat" cmpd="sng" algn="ctr">
+                      <a:solidFill>
+                        <a:schemeClr val="tx1"/>
+                      </a:solidFill>
+                      <a:prstDash val="solid"/>
+                      <a:round/>
+                      <a:headEnd type="none" w="med" len="med"/>
+                      <a:tailEnd type="none" w="med" len="med"/>
+                    </a:lnB>
+                    <a:lnTlToBr w="12700" cmpd="sng">
+                      <a:noFill/>
+                      <a:prstDash val="solid"/>
+                    </a:lnTlToBr>
+                    <a:lnBlToTr w="12700" cmpd="sng">
+                      <a:noFill/>
+                      <a:prstDash val="solid"/>
+                    </a:lnBlToTr>
+                    <a:noFill/>
+                  </a:tcPr>
+                </a:tc>
+                <a:tc>
+                  <a:txBody>
+                    <a:bodyPr/>
+                    <a:lstStyle/>
+                    <a:p>
+                      <a:pPr algn="ctr" latinLnBrk="1"/>
+                      <a:endParaRPr lang="ko-KR" altLang="en-US" sz="1000">
+                        <a:solidFill>
+                          <a:sysClr val="windowText" lastClr="000000"/>
+                        </a:solidFill>
+                      </a:endParaRPr>
+                    </a:p>
+                  </a:txBody>
+                  <a:tcPr>
+                    <a:lnL w="12700" cap="flat" cmpd="sng" algn="ctr">
+                      <a:solidFill>
+                        <a:schemeClr val="tx1"/>
+                      </a:solidFill>
+                      <a:prstDash val="solid"/>
+                      <a:round/>
+                      <a:headEnd type="none" w="med" len="med"/>
+                      <a:tailEnd type="none" w="med" len="med"/>
+                    </a:lnL>
+                    <a:lnR w="12700" cap="flat" cmpd="sng" algn="ctr">
+                      <a:solidFill>
+                        <a:schemeClr val="tx1"/>
+                      </a:solidFill>
+                      <a:prstDash val="solid"/>
+                      <a:round/>
+                      <a:headEnd type="none" w="med" len="med"/>
+                      <a:tailEnd type="none" w="med" len="med"/>
+                    </a:lnR>
+                    <a:lnT w="12700" cap="flat" cmpd="sng" algn="ctr">
+                      <a:solidFill>
+                        <a:schemeClr val="tx1"/>
+                      </a:solidFill>
+                      <a:prstDash val="solid"/>
+                      <a:round/>
+                      <a:headEnd type="none" w="med" len="med"/>
+                      <a:tailEnd type="none" w="med" len="med"/>
+                    </a:lnT>
+                    <a:lnB w="12700" cap="flat" cmpd="sng" algn="ctr">
+                      <a:solidFill>
+                        <a:schemeClr val="tx1"/>
+                      </a:solidFill>
+                      <a:prstDash val="solid"/>
+                      <a:round/>
+                      <a:headEnd type="none" w="med" len="med"/>
+                      <a:tailEnd type="none" w="med" len="med"/>
+                    </a:lnB>
+                    <a:lnTlToBr w="12700" cmpd="sng">
+                      <a:noFill/>
+                      <a:prstDash val="solid"/>
+                    </a:lnTlToBr>
+                    <a:lnBlToTr w="12700" cmpd="sng">
+                      <a:noFill/>
+                      <a:prstDash val="solid"/>
+                    </a:lnBlToTr>
+                    <a:noFill/>
+                  </a:tcPr>
+                </a:tc>
+                <a:extLst>
+                  <a:ext uri="{0D108BD9-81ED-4DB2-BD59-A6C34878D82A}">
+                    <a16:rowId xmlns:a16="http://schemas.microsoft.com/office/drawing/2014/main" val="2892760186"/>
+                  </a:ext>
+                </a:extLst>
+              </a:tr>
+              <a:tr h="235298">
+                <a:tc>
+                  <a:txBody>
+                    <a:bodyPr/>
+                    <a:lstStyle/>
+                    <a:p>
+                      <a:pPr algn="ctr" latinLnBrk="1"/>
+                      <a:endParaRPr lang="ko-KR" altLang="en-US" sz="1000">
+                        <a:solidFill>
+                          <a:sysClr val="windowText" lastClr="000000"/>
+                        </a:solidFill>
+                      </a:endParaRPr>
+                    </a:p>
+                  </a:txBody>
+                  <a:tcPr>
+                    <a:lnL w="12700" cap="flat" cmpd="sng" algn="ctr">
+                      <a:solidFill>
+                        <a:schemeClr val="tx1"/>
+                      </a:solidFill>
+                      <a:prstDash val="solid"/>
+                      <a:round/>
+                      <a:headEnd type="none" w="med" len="med"/>
+                      <a:tailEnd type="none" w="med" len="med"/>
+                    </a:lnL>
+                    <a:lnR w="12700" cap="flat" cmpd="sng" algn="ctr">
+                      <a:solidFill>
+                        <a:schemeClr val="tx1"/>
+                      </a:solidFill>
+                      <a:prstDash val="solid"/>
+                      <a:round/>
+                      <a:headEnd type="none" w="med" len="med"/>
+                      <a:tailEnd type="none" w="med" len="med"/>
+                    </a:lnR>
+                    <a:lnT w="12700" cap="flat" cmpd="sng" algn="ctr">
+                      <a:solidFill>
+                        <a:schemeClr val="tx1"/>
+                      </a:solidFill>
+                      <a:prstDash val="solid"/>
+                      <a:round/>
+                      <a:headEnd type="none" w="med" len="med"/>
+                      <a:tailEnd type="none" w="med" len="med"/>
+                    </a:lnT>
+                    <a:lnB w="12700" cap="flat" cmpd="sng" algn="ctr">
+                      <a:solidFill>
+                        <a:schemeClr val="tx1"/>
+                      </a:solidFill>
+                      <a:prstDash val="solid"/>
+                      <a:round/>
+                      <a:headEnd type="none" w="med" len="med"/>
+                      <a:tailEnd type="none" w="med" len="med"/>
+                    </a:lnB>
+                    <a:lnTlToBr w="12700" cmpd="sng">
+                      <a:noFill/>
+                      <a:prstDash val="solid"/>
+                    </a:lnTlToBr>
+                    <a:lnBlToTr w="12700" cmpd="sng">
+                      <a:noFill/>
+                      <a:prstDash val="solid"/>
+                    </a:lnBlToTr>
+                    <a:noFill/>
+                  </a:tcPr>
+                </a:tc>
+                <a:tc>
+                  <a:txBody>
+                    <a:bodyPr/>
+                    <a:lstStyle/>
+                    <a:p>
+                      <a:pPr algn="ctr" latinLnBrk="1"/>
+                      <a:endParaRPr lang="ko-KR" altLang="en-US" sz="1000" dirty="0">
+                        <a:solidFill>
+                          <a:sysClr val="windowText" lastClr="000000"/>
+                        </a:solidFill>
+                      </a:endParaRPr>
+                    </a:p>
+                  </a:txBody>
+                  <a:tcPr>
+                    <a:lnL w="12700" cap="flat" cmpd="sng" algn="ctr">
+                      <a:solidFill>
+                        <a:schemeClr val="tx1"/>
+                      </a:solidFill>
+                      <a:prstDash val="solid"/>
+                      <a:round/>
+                      <a:headEnd type="none" w="med" len="med"/>
+                      <a:tailEnd type="none" w="med" len="med"/>
+                    </a:lnL>
+                    <a:lnR w="12700" cap="flat" cmpd="sng" algn="ctr">
+                      <a:solidFill>
+                        <a:schemeClr val="tx1"/>
+                      </a:solidFill>
+                      <a:prstDash val="solid"/>
+                      <a:round/>
+                      <a:headEnd type="none" w="med" len="med"/>
+                      <a:tailEnd type="none" w="med" len="med"/>
+                    </a:lnR>
+                    <a:lnT w="12700" cap="flat" cmpd="sng" algn="ctr">
+                      <a:solidFill>
+                        <a:schemeClr val="tx1"/>
+                      </a:solidFill>
+                      <a:prstDash val="solid"/>
+                      <a:round/>
+                      <a:headEnd type="none" w="med" len="med"/>
+                      <a:tailEnd type="none" w="med" len="med"/>
+                    </a:lnT>
+                    <a:lnB w="12700" cap="flat" cmpd="sng" algn="ctr">
+                      <a:solidFill>
+                        <a:schemeClr val="tx1"/>
+                      </a:solidFill>
+                      <a:prstDash val="solid"/>
+                      <a:round/>
+                      <a:headEnd type="none" w="med" len="med"/>
+                      <a:tailEnd type="none" w="med" len="med"/>
+                    </a:lnB>
+                    <a:lnTlToBr w="12700" cmpd="sng">
+                      <a:noFill/>
+                      <a:prstDash val="solid"/>
+                    </a:lnTlToBr>
+                    <a:lnBlToTr w="12700" cmpd="sng">
+                      <a:noFill/>
+                      <a:prstDash val="solid"/>
+                    </a:lnBlToTr>
+                    <a:noFill/>
+                  </a:tcPr>
+                </a:tc>
+                <a:tc>
+                  <a:txBody>
+                    <a:bodyPr/>
+                    <a:lstStyle/>
+                    <a:p>
+                      <a:pPr algn="ctr" latinLnBrk="1"/>
+                      <a:endParaRPr lang="ko-KR" altLang="en-US" sz="1000" dirty="0">
+                        <a:solidFill>
+                          <a:sysClr val="windowText" lastClr="000000"/>
+                        </a:solidFill>
+                      </a:endParaRPr>
+                    </a:p>
+                  </a:txBody>
+                  <a:tcPr>
+                    <a:lnL w="12700" cap="flat" cmpd="sng" algn="ctr">
+                      <a:solidFill>
+                        <a:schemeClr val="tx1"/>
+                      </a:solidFill>
+                      <a:prstDash val="solid"/>
+                      <a:round/>
+                      <a:headEnd type="none" w="med" len="med"/>
+                      <a:tailEnd type="none" w="med" len="med"/>
+                    </a:lnL>
+                    <a:lnR w="12700" cap="flat" cmpd="sng" algn="ctr">
+                      <a:solidFill>
+                        <a:schemeClr val="tx1"/>
+                      </a:solidFill>
+                      <a:prstDash val="solid"/>
+                      <a:round/>
+                      <a:headEnd type="none" w="med" len="med"/>
+                      <a:tailEnd type="none" w="med" len="med"/>
+                    </a:lnR>
+                    <a:lnT w="12700" cap="flat" cmpd="sng" algn="ctr">
+                      <a:solidFill>
+                        <a:schemeClr val="tx1"/>
+                      </a:solidFill>
+                      <a:prstDash val="solid"/>
+                      <a:round/>
+                      <a:headEnd type="none" w="med" len="med"/>
+                      <a:tailEnd type="none" w="med" len="med"/>
+                    </a:lnT>
+                    <a:lnB w="12700" cap="flat" cmpd="sng" algn="ctr">
+                      <a:solidFill>
+                        <a:schemeClr val="tx1"/>
+                      </a:solidFill>
+                      <a:prstDash val="solid"/>
+                      <a:round/>
+                      <a:headEnd type="none" w="med" len="med"/>
+                      <a:tailEnd type="none" w="med" len="med"/>
+                    </a:lnB>
+                    <a:lnTlToBr w="12700" cmpd="sng">
+                      <a:noFill/>
+                      <a:prstDash val="solid"/>
+                    </a:lnTlToBr>
+                    <a:lnBlToTr w="12700" cmpd="sng">
+                      <a:noFill/>
+                      <a:prstDash val="solid"/>
+                    </a:lnBlToTr>
+                    <a:noFill/>
+                  </a:tcPr>
+                </a:tc>
+                <a:extLst>
+                  <a:ext uri="{0D108BD9-81ED-4DB2-BD59-A6C34878D82A}">
+                    <a16:rowId xmlns:a16="http://schemas.microsoft.com/office/drawing/2014/main" val="86916293"/>
+                  </a:ext>
+                </a:extLst>
+              </a:tr>
+              <a:tr h="235298">
+                <a:tc>
+                  <a:txBody>
+                    <a:bodyPr/>
+                    <a:lstStyle/>
+                    <a:p>
+                      <a:pPr algn="ctr" latinLnBrk="1"/>
+                      <a:endParaRPr lang="ko-KR" altLang="en-US" sz="1000">
+                        <a:solidFill>
+                          <a:sysClr val="windowText" lastClr="000000"/>
+                        </a:solidFill>
+                      </a:endParaRPr>
+                    </a:p>
+                  </a:txBody>
+                  <a:tcPr>
+                    <a:lnL w="12700" cap="flat" cmpd="sng" algn="ctr">
+                      <a:solidFill>
+                        <a:schemeClr val="tx1"/>
+                      </a:solidFill>
+                      <a:prstDash val="solid"/>
+                      <a:round/>
+                      <a:headEnd type="none" w="med" len="med"/>
+                      <a:tailEnd type="none" w="med" len="med"/>
+                    </a:lnL>
+                    <a:lnR w="12700" cap="flat" cmpd="sng" algn="ctr">
+                      <a:solidFill>
+                        <a:schemeClr val="tx1"/>
+                      </a:solidFill>
+                      <a:prstDash val="solid"/>
+                      <a:round/>
+                      <a:headEnd type="none" w="med" len="med"/>
+                      <a:tailEnd type="none" w="med" len="med"/>
+                    </a:lnR>
+                    <a:lnT w="12700" cap="flat" cmpd="sng" algn="ctr">
+                      <a:solidFill>
+                        <a:schemeClr val="tx1"/>
+                      </a:solidFill>
+                      <a:prstDash val="solid"/>
+                      <a:round/>
+                      <a:headEnd type="none" w="med" len="med"/>
+                      <a:tailEnd type="none" w="med" len="med"/>
+                    </a:lnT>
+                    <a:lnB w="12700" cap="flat" cmpd="sng" algn="ctr">
+                      <a:solidFill>
+                        <a:schemeClr val="tx1"/>
+                      </a:solidFill>
+                      <a:prstDash val="solid"/>
+                      <a:round/>
+                      <a:headEnd type="none" w="med" len="med"/>
+                      <a:tailEnd type="none" w="med" len="med"/>
+                    </a:lnB>
+                    <a:lnTlToBr w="12700" cmpd="sng">
+                      <a:noFill/>
+                      <a:prstDash val="solid"/>
+                    </a:lnTlToBr>
+                    <a:lnBlToTr w="12700" cmpd="sng">
+                      <a:noFill/>
+                      <a:prstDash val="solid"/>
+                    </a:lnBlToTr>
+                    <a:noFill/>
+                  </a:tcPr>
+                </a:tc>
+                <a:tc>
+                  <a:txBody>
+                    <a:bodyPr/>
+                    <a:lstStyle/>
+                    <a:p>
+                      <a:pPr algn="ctr" latinLnBrk="1"/>
+                      <a:endParaRPr lang="ko-KR" altLang="en-US" sz="1000" dirty="0">
+                        <a:solidFill>
+                          <a:sysClr val="windowText" lastClr="000000"/>
+                        </a:solidFill>
+                      </a:endParaRPr>
+                    </a:p>
+                  </a:txBody>
+                  <a:tcPr>
+                    <a:lnL w="12700" cap="flat" cmpd="sng" algn="ctr">
+                      <a:solidFill>
+                        <a:schemeClr val="tx1"/>
+                      </a:solidFill>
+                      <a:prstDash val="solid"/>
+                      <a:round/>
+                      <a:headEnd type="none" w="med" len="med"/>
+                      <a:tailEnd type="none" w="med" len="med"/>
+                    </a:lnL>
+                    <a:lnR w="12700" cap="flat" cmpd="sng" algn="ctr">
+                      <a:solidFill>
+                        <a:schemeClr val="tx1"/>
+                      </a:solidFill>
+                      <a:prstDash val="solid"/>
+                      <a:round/>
+                      <a:headEnd type="none" w="med" len="med"/>
+                      <a:tailEnd type="none" w="med" len="med"/>
+                    </a:lnR>
+                    <a:lnT w="12700" cap="flat" cmpd="sng" algn="ctr">
+                      <a:solidFill>
+                        <a:schemeClr val="tx1"/>
+                      </a:solidFill>
+                      <a:prstDash val="solid"/>
+                      <a:round/>
+                      <a:headEnd type="none" w="med" len="med"/>
+                      <a:tailEnd type="none" w="med" len="med"/>
+                    </a:lnT>
+                    <a:lnB w="12700" cap="flat" cmpd="sng" algn="ctr">
+                      <a:solidFill>
+                        <a:schemeClr val="tx1"/>
+                      </a:solidFill>
+                      <a:prstDash val="solid"/>
+                      <a:round/>
+                      <a:headEnd type="none" w="med" len="med"/>
+                      <a:tailEnd type="none" w="med" len="med"/>
+                    </a:lnB>
+                    <a:lnTlToBr w="12700" cmpd="sng">
+                      <a:noFill/>
+                      <a:prstDash val="solid"/>
+                    </a:lnTlToBr>
+                    <a:lnBlToTr w="12700" cmpd="sng">
+                      <a:noFill/>
+                      <a:prstDash val="solid"/>
+                    </a:lnBlToTr>
+                    <a:noFill/>
+                  </a:tcPr>
+                </a:tc>
+                <a:tc>
+                  <a:txBody>
+                    <a:bodyPr/>
+                    <a:lstStyle/>
+                    <a:p>
+                      <a:pPr algn="ctr" latinLnBrk="1"/>
+                      <a:endParaRPr lang="ko-KR" altLang="en-US" sz="1000" dirty="0">
+                        <a:solidFill>
+                          <a:sysClr val="windowText" lastClr="000000"/>
+                        </a:solidFill>
+                      </a:endParaRPr>
+                    </a:p>
+                  </a:txBody>
+                  <a:tcPr>
+                    <a:lnL w="12700" cap="flat" cmpd="sng" algn="ctr">
+                      <a:solidFill>
+                        <a:schemeClr val="tx1"/>
+                      </a:solidFill>
+                      <a:prstDash val="solid"/>
+                      <a:round/>
+                      <a:headEnd type="none" w="med" len="med"/>
+                      <a:tailEnd type="none" w="med" len="med"/>
+                    </a:lnL>
+                    <a:lnR w="12700" cap="flat" cmpd="sng" algn="ctr">
+                      <a:solidFill>
+                        <a:schemeClr val="tx1"/>
+                      </a:solidFill>
+                      <a:prstDash val="solid"/>
+                      <a:round/>
+                      <a:headEnd type="none" w="med" len="med"/>
+                      <a:tailEnd type="none" w="med" len="med"/>
+                    </a:lnR>
+                    <a:lnT w="12700" cap="flat" cmpd="sng" algn="ctr">
+                      <a:solidFill>
+                        <a:schemeClr val="tx1"/>
+                      </a:solidFill>
+                      <a:prstDash val="solid"/>
+                      <a:round/>
+                      <a:headEnd type="none" w="med" len="med"/>
+                      <a:tailEnd type="none" w="med" len="med"/>
+                    </a:lnT>
+                    <a:lnB w="12700" cap="flat" cmpd="sng" algn="ctr">
+                      <a:solidFill>
+                        <a:schemeClr val="tx1"/>
+                      </a:solidFill>
+                      <a:prstDash val="solid"/>
+                      <a:round/>
+                      <a:headEnd type="none" w="med" len="med"/>
+                      <a:tailEnd type="none" w="med" len="med"/>
+                    </a:lnB>
+                    <a:lnTlToBr w="12700" cmpd="sng">
+                      <a:noFill/>
+                      <a:prstDash val="solid"/>
+                    </a:lnTlToBr>
+                    <a:lnBlToTr w="12700" cmpd="sng">
+                      <a:noFill/>
+                      <a:prstDash val="solid"/>
+                    </a:lnBlToTr>
+                    <a:noFill/>
+                  </a:tcPr>
+                </a:tc>
+                <a:extLst>
+                  <a:ext uri="{0D108BD9-81ED-4DB2-BD59-A6C34878D82A}">
+                    <a16:rowId xmlns:a16="http://schemas.microsoft.com/office/drawing/2014/main" val="3528305830"/>
+                  </a:ext>
+                </a:extLst>
+              </a:tr>
+              <a:tr h="235298">
+                <a:tc>
+                  <a:txBody>
+                    <a:bodyPr/>
+                    <a:lstStyle/>
+                    <a:p>
+                      <a:pPr algn="ctr" latinLnBrk="1"/>
+                      <a:endParaRPr lang="ko-KR" altLang="en-US" sz="1000">
+                        <a:solidFill>
+                          <a:sysClr val="windowText" lastClr="000000"/>
+                        </a:solidFill>
+                      </a:endParaRPr>
+                    </a:p>
+                  </a:txBody>
+                  <a:tcPr>
+                    <a:lnL w="12700" cap="flat" cmpd="sng" algn="ctr">
+                      <a:solidFill>
+                        <a:schemeClr val="tx1"/>
+                      </a:solidFill>
+                      <a:prstDash val="solid"/>
+                      <a:round/>
+                      <a:headEnd type="none" w="med" len="med"/>
+                      <a:tailEnd type="none" w="med" len="med"/>
+                    </a:lnL>
+                    <a:lnR w="12700" cap="flat" cmpd="sng" algn="ctr">
+                      <a:solidFill>
+                        <a:schemeClr val="tx1"/>
+                      </a:solidFill>
+                      <a:prstDash val="solid"/>
+                      <a:round/>
+                      <a:headEnd type="none" w="med" len="med"/>
+                      <a:tailEnd type="none" w="med" len="med"/>
+                    </a:lnR>
+                    <a:lnT w="12700" cap="flat" cmpd="sng" algn="ctr">
+                      <a:solidFill>
+                        <a:schemeClr val="tx1"/>
+                      </a:solidFill>
+                      <a:prstDash val="solid"/>
+                      <a:round/>
+                      <a:headEnd type="none" w="med" len="med"/>
+                      <a:tailEnd type="none" w="med" len="med"/>
+                    </a:lnT>
+                    <a:lnB w="12700" cap="flat" cmpd="sng" algn="ctr">
+                      <a:solidFill>
+                        <a:schemeClr val="tx1"/>
+                      </a:solidFill>
+                      <a:prstDash val="solid"/>
+                      <a:round/>
+                      <a:headEnd type="none" w="med" len="med"/>
+                      <a:tailEnd type="none" w="med" len="med"/>
+                    </a:lnB>
+                    <a:lnTlToBr w="12700" cmpd="sng">
+                      <a:noFill/>
+                      <a:prstDash val="solid"/>
+                    </a:lnTlToBr>
+                    <a:lnBlToTr w="12700" cmpd="sng">
+                      <a:noFill/>
+                      <a:prstDash val="solid"/>
+                    </a:lnBlToTr>
+                    <a:noFill/>
+                  </a:tcPr>
+                </a:tc>
+                <a:tc>
+                  <a:txBody>
+                    <a:bodyPr/>
+                    <a:lstStyle/>
+                    <a:p>
+                      <a:pPr algn="ctr" latinLnBrk="1"/>
+                      <a:endParaRPr lang="ko-KR" altLang="en-US" sz="1000" dirty="0">
+                        <a:solidFill>
+                          <a:sysClr val="windowText" lastClr="000000"/>
+                        </a:solidFill>
+                      </a:endParaRPr>
+                    </a:p>
+                  </a:txBody>
+                  <a:tcPr>
+                    <a:lnL w="12700" cap="flat" cmpd="sng" algn="ctr">
+                      <a:solidFill>
+                        <a:schemeClr val="tx1"/>
+                      </a:solidFill>
+                      <a:prstDash val="solid"/>
+                      <a:round/>
+                      <a:headEnd type="none" w="med" len="med"/>
+                      <a:tailEnd type="none" w="med" len="med"/>
+                    </a:lnL>
+                    <a:lnR w="12700" cap="flat" cmpd="sng" algn="ctr">
+                      <a:solidFill>
+                        <a:schemeClr val="tx1"/>
+                      </a:solidFill>
+                      <a:prstDash val="solid"/>
+                      <a:round/>
+                      <a:headEnd type="none" w="med" len="med"/>
+                      <a:tailEnd type="none" w="med" len="med"/>
+                    </a:lnR>
+                    <a:lnT w="12700" cap="flat" cmpd="sng" algn="ctr">
+                      <a:solidFill>
+                        <a:schemeClr val="tx1"/>
+                      </a:solidFill>
+                      <a:prstDash val="solid"/>
+                      <a:round/>
+                      <a:headEnd type="none" w="med" len="med"/>
+                      <a:tailEnd type="none" w="med" len="med"/>
+                    </a:lnT>
+                    <a:lnB w="12700" cap="flat" cmpd="sng" algn="ctr">
+                      <a:solidFill>
+                        <a:schemeClr val="tx1"/>
+                      </a:solidFill>
+                      <a:prstDash val="solid"/>
+                      <a:round/>
+                      <a:headEnd type="none" w="med" len="med"/>
+                      <a:tailEnd type="none" w="med" len="med"/>
+                    </a:lnB>
+                    <a:lnTlToBr w="12700" cmpd="sng">
+                      <a:noFill/>
+                      <a:prstDash val="solid"/>
+                    </a:lnTlToBr>
+                    <a:lnBlToTr w="12700" cmpd="sng">
+                      <a:noFill/>
+                      <a:prstDash val="solid"/>
+                    </a:lnBlToTr>
+                    <a:noFill/>
+                  </a:tcPr>
+                </a:tc>
+                <a:tc>
+                  <a:txBody>
+                    <a:bodyPr/>
+                    <a:lstStyle/>
+                    <a:p>
+                      <a:pPr algn="ctr" latinLnBrk="1"/>
+                      <a:endParaRPr lang="ko-KR" altLang="en-US" sz="1000" dirty="0">
+                        <a:solidFill>
+                          <a:sysClr val="windowText" lastClr="000000"/>
+                        </a:solidFill>
+                      </a:endParaRPr>
+                    </a:p>
+                  </a:txBody>
+                  <a:tcPr>
+                    <a:lnL w="12700" cap="flat" cmpd="sng" algn="ctr">
+                      <a:solidFill>
+                        <a:schemeClr val="tx1"/>
+                      </a:solidFill>
+                      <a:prstDash val="solid"/>
+                      <a:round/>
+                      <a:headEnd type="none" w="med" len="med"/>
+                      <a:tailEnd type="none" w="med" len="med"/>
+                    </a:lnL>
+                    <a:lnR w="12700" cap="flat" cmpd="sng" algn="ctr">
+                      <a:solidFill>
+                        <a:schemeClr val="tx1"/>
+                      </a:solidFill>
+                      <a:prstDash val="solid"/>
+                      <a:round/>
+                      <a:headEnd type="none" w="med" len="med"/>
+                      <a:tailEnd type="none" w="med" len="med"/>
+                    </a:lnR>
+                    <a:lnT w="12700" cap="flat" cmpd="sng" algn="ctr">
+                      <a:solidFill>
+                        <a:schemeClr val="tx1"/>
+                      </a:solidFill>
+                      <a:prstDash val="solid"/>
+                      <a:round/>
+                      <a:headEnd type="none" w="med" len="med"/>
+                      <a:tailEnd type="none" w="med" len="med"/>
+                    </a:lnT>
+                    <a:lnB w="12700" cap="flat" cmpd="sng" algn="ctr">
+                      <a:solidFill>
+                        <a:schemeClr val="tx1"/>
+                      </a:solidFill>
+                      <a:prstDash val="solid"/>
+                      <a:round/>
+                      <a:headEnd type="none" w="med" len="med"/>
+                      <a:tailEnd type="none" w="med" len="med"/>
+                    </a:lnB>
+                    <a:lnTlToBr w="12700" cmpd="sng">
+                      <a:noFill/>
+                      <a:prstDash val="solid"/>
+                    </a:lnTlToBr>
+                    <a:lnBlToTr w="12700" cmpd="sng">
+                      <a:noFill/>
+                      <a:prstDash val="solid"/>
+                    </a:lnBlToTr>
+                    <a:noFill/>
+                  </a:tcPr>
+                </a:tc>
+                <a:extLst>
+                  <a:ext uri="{0D108BD9-81ED-4DB2-BD59-A6C34878D82A}">
+                    <a16:rowId xmlns:a16="http://schemas.microsoft.com/office/drawing/2014/main" val="1978001148"/>
+                  </a:ext>
+                </a:extLst>
+              </a:tr>
+              <a:tr h="235298">
+                <a:tc>
+                  <a:txBody>
+                    <a:bodyPr/>
+                    <a:lstStyle/>
+                    <a:p>
+                      <a:pPr algn="ctr" latinLnBrk="1"/>
+                      <a:endParaRPr lang="ko-KR" altLang="en-US" sz="1000">
+                        <a:solidFill>
+                          <a:sysClr val="windowText" lastClr="000000"/>
+                        </a:solidFill>
+                      </a:endParaRPr>
+                    </a:p>
+                  </a:txBody>
+                  <a:tcPr>
+                    <a:lnL w="12700" cap="flat" cmpd="sng" algn="ctr">
+                      <a:solidFill>
+                        <a:schemeClr val="tx1"/>
+                      </a:solidFill>
+                      <a:prstDash val="solid"/>
+                      <a:round/>
+                      <a:headEnd type="none" w="med" len="med"/>
+                      <a:tailEnd type="none" w="med" len="med"/>
+                    </a:lnL>
+                    <a:lnR w="12700" cap="flat" cmpd="sng" algn="ctr">
+                      <a:solidFill>
+                        <a:schemeClr val="tx1"/>
+                      </a:solidFill>
+                      <a:prstDash val="solid"/>
+                      <a:round/>
+                      <a:headEnd type="none" w="med" len="med"/>
+                      <a:tailEnd type="none" w="med" len="med"/>
+                    </a:lnR>
+                    <a:lnT w="12700" cap="flat" cmpd="sng" algn="ctr">
+                      <a:solidFill>
+                        <a:schemeClr val="tx1"/>
+                      </a:solidFill>
+                      <a:prstDash val="solid"/>
+                      <a:round/>
+                      <a:headEnd type="none" w="med" len="med"/>
+                      <a:tailEnd type="none" w="med" len="med"/>
+                    </a:lnT>
+                    <a:lnB w="12700" cap="flat" cmpd="sng" algn="ctr">
+                      <a:solidFill>
+                        <a:schemeClr val="tx1"/>
+                      </a:solidFill>
+                      <a:prstDash val="solid"/>
+                      <a:round/>
+                      <a:headEnd type="none" w="med" len="med"/>
+                      <a:tailEnd type="none" w="med" len="med"/>
+                    </a:lnB>
+                    <a:lnTlToBr w="12700" cmpd="sng">
+                      <a:noFill/>
+                      <a:prstDash val="solid"/>
+                    </a:lnTlToBr>
+                    <a:lnBlToTr w="12700" cmpd="sng">
+                      <a:noFill/>
+                      <a:prstDash val="solid"/>
+                    </a:lnBlToTr>
+                    <a:noFill/>
+                  </a:tcPr>
+                </a:tc>
+                <a:tc>
+                  <a:txBody>
+                    <a:bodyPr/>
+                    <a:lstStyle/>
+                    <a:p>
+                      <a:pPr algn="ctr" latinLnBrk="1"/>
+                      <a:endParaRPr lang="ko-KR" altLang="en-US" sz="1000">
+                        <a:solidFill>
+                          <a:sysClr val="windowText" lastClr="000000"/>
+                        </a:solidFill>
+                      </a:endParaRPr>
+                    </a:p>
+                  </a:txBody>
+                  <a:tcPr>
+                    <a:lnL w="12700" cap="flat" cmpd="sng" algn="ctr">
+                      <a:solidFill>
+                        <a:schemeClr val="tx1"/>
+                      </a:solidFill>
+                      <a:prstDash val="solid"/>
+                      <a:round/>
+                      <a:headEnd type="none" w="med" len="med"/>
+                      <a:tailEnd type="none" w="med" len="med"/>
+                    </a:lnL>
+                    <a:lnR w="12700" cap="flat" cmpd="sng" algn="ctr">
+                      <a:solidFill>
+                        <a:schemeClr val="tx1"/>
+                      </a:solidFill>
+                      <a:prstDash val="solid"/>
+                      <a:round/>
+                      <a:headEnd type="none" w="med" len="med"/>
+                      <a:tailEnd type="none" w="med" len="med"/>
+                    </a:lnR>
+                    <a:lnT w="12700" cap="flat" cmpd="sng" algn="ctr">
+                      <a:solidFill>
+                        <a:schemeClr val="tx1"/>
+                      </a:solidFill>
+                      <a:prstDash val="solid"/>
+                      <a:round/>
+                      <a:headEnd type="none" w="med" len="med"/>
+                      <a:tailEnd type="none" w="med" len="med"/>
+                    </a:lnT>
+                    <a:lnB w="12700" cap="flat" cmpd="sng" algn="ctr">
+                      <a:solidFill>
+                        <a:schemeClr val="tx1"/>
+                      </a:solidFill>
+                      <a:prstDash val="solid"/>
+                      <a:round/>
+                      <a:headEnd type="none" w="med" len="med"/>
+                      <a:tailEnd type="none" w="med" len="med"/>
+                    </a:lnB>
+                    <a:lnTlToBr w="12700" cmpd="sng">
+                      <a:noFill/>
+                      <a:prstDash val="solid"/>
+                    </a:lnTlToBr>
+                    <a:lnBlToTr w="12700" cmpd="sng">
+                      <a:noFill/>
+                      <a:prstDash val="solid"/>
+                    </a:lnBlToTr>
+                    <a:noFill/>
+                  </a:tcPr>
+                </a:tc>
+                <a:tc>
+                  <a:txBody>
+                    <a:bodyPr/>
+                    <a:lstStyle/>
+                    <a:p>
+                      <a:pPr algn="ctr" latinLnBrk="1"/>
+                      <a:endParaRPr lang="ko-KR" altLang="en-US" sz="1000" dirty="0">
+                        <a:solidFill>
+                          <a:sysClr val="windowText" lastClr="000000"/>
+                        </a:solidFill>
+                      </a:endParaRPr>
+                    </a:p>
+                  </a:txBody>
+                  <a:tcPr>
+                    <a:lnL w="12700" cap="flat" cmpd="sng" algn="ctr">
+                      <a:solidFill>
+                        <a:schemeClr val="tx1"/>
+                      </a:solidFill>
+                      <a:prstDash val="solid"/>
+                      <a:round/>
+                      <a:headEnd type="none" w="med" len="med"/>
+                      <a:tailEnd type="none" w="med" len="med"/>
+                    </a:lnL>
+                    <a:lnR w="12700" cap="flat" cmpd="sng" algn="ctr">
+                      <a:solidFill>
+                        <a:schemeClr val="tx1"/>
+                      </a:solidFill>
+                      <a:prstDash val="solid"/>
+                      <a:round/>
+                      <a:headEnd type="none" w="med" len="med"/>
+                      <a:tailEnd type="none" w="med" len="med"/>
+                    </a:lnR>
+                    <a:lnT w="12700" cap="flat" cmpd="sng" algn="ctr">
+                      <a:solidFill>
+                        <a:schemeClr val="tx1"/>
+                      </a:solidFill>
+                      <a:prstDash val="solid"/>
+                      <a:round/>
+                      <a:headEnd type="none" w="med" len="med"/>
+                      <a:tailEnd type="none" w="med" len="med"/>
+                    </a:lnT>
+                    <a:lnB w="12700" cap="flat" cmpd="sng" algn="ctr">
+                      <a:solidFill>
+                        <a:schemeClr val="tx1"/>
+                      </a:solidFill>
+                      <a:prstDash val="solid"/>
+                      <a:round/>
+                      <a:headEnd type="none" w="med" len="med"/>
+                      <a:tailEnd type="none" w="med" len="med"/>
+                    </a:lnB>
+                    <a:lnTlToBr w="12700" cmpd="sng">
+                      <a:noFill/>
+                      <a:prstDash val="solid"/>
+                    </a:lnTlToBr>
+                    <a:lnBlToTr w="12700" cmpd="sng">
+                      <a:noFill/>
+                      <a:prstDash val="solid"/>
+                    </a:lnBlToTr>
+                    <a:noFill/>
+                  </a:tcPr>
+                </a:tc>
+                <a:extLst>
+                  <a:ext uri="{0D108BD9-81ED-4DB2-BD59-A6C34878D82A}">
+                    <a16:rowId xmlns:a16="http://schemas.microsoft.com/office/drawing/2014/main" val="2591225868"/>
+                  </a:ext>
+                </a:extLst>
+              </a:tr>
+            </a:tbl>
+          </a:graphicData>
+        </a:graphic>
+      </p:graphicFrame>
     </p:spTree>
     <p:extLst>
       <p:ext uri="{BB962C8B-B14F-4D97-AF65-F5344CB8AC3E}">

--- a/Plan/기타문서/기획서/광장 기초 시스템 정리.pptx
+++ b/Plan/기타문서/기획서/광장 기초 시스템 정리.pptx
@@ -12788,10 +12788,23 @@
                 <a:latin typeface="나눔스퀘어라운드 Regular" panose="020B0600000101010101" pitchFamily="50" charset="-127"/>
                 <a:ea typeface="나눔스퀘어라운드 Regular" panose="020B0600000101010101" pitchFamily="50" charset="-127"/>
               </a:rPr>
-              <a:t>광장에서 하는 모든 행동은 코스트를 소모하며</a:t>
+              <a:t>광장에서 하는 </a:t>
+            </a:r>
+            <a:r>
+              <a:rPr lang="ko-KR" altLang="en-US" dirty="0">
+                <a:solidFill>
+                  <a:schemeClr val="accent1"/>
+                </a:solidFill>
+                <a:latin typeface="나눔스퀘어라운드 Regular" panose="020B0600000101010101" pitchFamily="50" charset="-127"/>
+                <a:ea typeface="나눔스퀘어라운드 Regular" panose="020B0600000101010101" pitchFamily="50" charset="-127"/>
+              </a:rPr>
+              <a:t>모든 행동은 코스트를 소모하며</a:t>
             </a:r>
             <a:r>
               <a:rPr lang="en-US" altLang="ko-KR" dirty="0">
+                <a:solidFill>
+                  <a:schemeClr val="accent1"/>
+                </a:solidFill>
                 <a:latin typeface="나눔스퀘어라운드 Regular" panose="020B0600000101010101" pitchFamily="50" charset="-127"/>
                 <a:ea typeface="나눔스퀘어라운드 Regular" panose="020B0600000101010101" pitchFamily="50" charset="-127"/>
               </a:rPr>
@@ -12799,6 +12812,9 @@
             </a:r>
             <a:r>
               <a:rPr lang="ko-KR" altLang="en-US" dirty="0">
+                <a:solidFill>
+                  <a:schemeClr val="accent1"/>
+                </a:solidFill>
                 <a:latin typeface="나눔스퀘어라운드 Regular" panose="020B0600000101010101" pitchFamily="50" charset="-127"/>
                 <a:ea typeface="나눔스퀘어라운드 Regular" panose="020B0600000101010101" pitchFamily="50" charset="-127"/>
               </a:rPr>
@@ -12806,6 +12822,9 @@
             </a:r>
             <a:r>
               <a:rPr lang="en-US" altLang="ko-KR" dirty="0">
+                <a:solidFill>
+                  <a:schemeClr val="accent1"/>
+                </a:solidFill>
                 <a:latin typeface="나눔스퀘어라운드 Regular" panose="020B0600000101010101" pitchFamily="50" charset="-127"/>
                 <a:ea typeface="나눔스퀘어라운드 Regular" panose="020B0600000101010101" pitchFamily="50" charset="-127"/>
               </a:rPr>
@@ -13471,7 +13490,21 @@
                 <a:latin typeface="나눔스퀘어라운드 Regular" panose="020B0600000101010101" pitchFamily="50" charset="-127"/>
                 <a:ea typeface="나눔스퀘어라운드 Regular" panose="020B0600000101010101" pitchFamily="50" charset="-127"/>
               </a:rPr>
-              <a:t>해당 시스템이 건물 형태 혹은 </a:t>
+              <a:t>해당 시스템이 건물 형태 혹은 이외 시스템으로 구상될 수 있다</a:t>
+            </a:r>
+            <a:r>
+              <a:rPr lang="en-US" altLang="ko-KR" dirty="0">
+                <a:latin typeface="나눔스퀘어라운드 Regular" panose="020B0600000101010101" pitchFamily="50" charset="-127"/>
+                <a:ea typeface="나눔스퀘어라운드 Regular" panose="020B0600000101010101" pitchFamily="50" charset="-127"/>
+              </a:rPr>
+              <a:t>.</a:t>
+            </a:r>
+            <a:r>
+              <a:rPr lang="ko-KR" altLang="en-US" dirty="0">
+                <a:latin typeface="나눔스퀘어라운드 Regular" panose="020B0600000101010101" pitchFamily="50" charset="-127"/>
+                <a:ea typeface="나눔스퀘어라운드 Regular" panose="020B0600000101010101" pitchFamily="50" charset="-127"/>
+              </a:rPr>
+              <a:t> </a:t>
             </a:r>
             <a:endParaRPr lang="en-US" altLang="ko-KR" dirty="0">
               <a:latin typeface="나눔스퀘어라운드 Regular" panose="020B0600000101010101" pitchFamily="50" charset="-127"/>
